--- a/Final Project Predicting Stock Prices.pptx
+++ b/Final Project Predicting Stock Prices.pptx
@@ -5538,8 +5538,13 @@
           <a:p>
             <a:r>
               <a:rPr lang="en-US" sz="1600" dirty="0"/>
-              <a:t>The Adjusted Closing Price is the dependent (predicted) variable while the independent variables are price data related to Open, Close,  Price, High</a:t>
-            </a:r>
+              <a:t>The Adjusted Closing Price is the dependent (predicted) variable while the independent variables are price data related to Open, Close</a:t>
+            </a:r>
+            <a:r>
+              <a:rPr lang="en-US" sz="1600"/>
+              <a:t>,  High, Low</a:t>
+            </a:r>
+            <a:endParaRPr lang="en-US" sz="1600" dirty="0"/>
           </a:p>
           <a:p>
             <a:r>
